--- a/slides/introduction.pptx
+++ b/slides/introduction.pptx
@@ -36,6 +36,10 @@
     <p:sldId id="285" r:id="rId30"/>
     <p:sldId id="286" r:id="rId31"/>
     <p:sldId id="287" r:id="rId32"/>
+    <p:sldId id="288" r:id="rId33"/>
+    <p:sldId id="289" r:id="rId34"/>
+    <p:sldId id="291" r:id="rId35"/>
+    <p:sldId id="290" r:id="rId36"/>
   </p:sldIdLst>
   <p:sldSz cx="12192000" cy="6858000"/>
   <p:notesSz cx="6858000" cy="9144000"/>
@@ -210,7 +214,7 @@
           <a:noFill/>
           <a:extLst>
             <a:ext uri="{909E8E84-426E-40dd-AFC4-6F175D3DCCD1}">
-              <a14:hiddenFill xmlns:a14="http://schemas.microsoft.com/office/drawing/2010/main" xmlns="">
+              <a14:hiddenFill xmlns="" xmlns:a14="http://schemas.microsoft.com/office/drawing/2010/main">
                 <a:solidFill>
                   <a:srgbClr val="FFFFFF"/>
                 </a:solidFill>
@@ -269,7 +273,7 @@
             </a:ln>
             <a:extLst>
               <a:ext uri="{91240B29-F687-4f45-9708-019B960494DF}">
-                <a14:hiddenLine xmlns:a14="http://schemas.microsoft.com/office/drawing/2010/main" xmlns="" w="9525">
+                <a14:hiddenLine xmlns="" xmlns:a14="http://schemas.microsoft.com/office/drawing/2010/main" w="9525">
                   <a:solidFill>
                     <a:srgbClr val="000000"/>
                   </a:solidFill>
@@ -359,7 +363,7 @@
             </a:ln>
             <a:extLst>
               <a:ext uri="{91240B29-F687-4f45-9708-019B960494DF}">
-                <a14:hiddenLine xmlns:a14="http://schemas.microsoft.com/office/drawing/2010/main" xmlns="" w="9525">
+                <a14:hiddenLine xmlns="" xmlns:a14="http://schemas.microsoft.com/office/drawing/2010/main" w="9525">
                   <a:solidFill>
                     <a:srgbClr val="000000"/>
                   </a:solidFill>
@@ -449,7 +453,7 @@
             </a:ln>
             <a:extLst>
               <a:ext uri="{91240B29-F687-4f45-9708-019B960494DF}">
-                <a14:hiddenLine xmlns:a14="http://schemas.microsoft.com/office/drawing/2010/main" xmlns="" w="9525">
+                <a14:hiddenLine xmlns="" xmlns:a14="http://schemas.microsoft.com/office/drawing/2010/main" w="9525">
                   <a:solidFill>
                     <a:srgbClr val="000000"/>
                   </a:solidFill>
@@ -483,7 +487,7 @@
             </a:ln>
             <a:extLst>
               <a:ext uri="{91240B29-F687-4f45-9708-019B960494DF}">
-                <a14:hiddenLine xmlns:a14="http://schemas.microsoft.com/office/drawing/2010/main" xmlns="" w="9525">
+                <a14:hiddenLine xmlns="" xmlns:a14="http://schemas.microsoft.com/office/drawing/2010/main" w="9525">
                   <a:solidFill>
                     <a:srgbClr val="000000"/>
                   </a:solidFill>
@@ -573,7 +577,7 @@
             </a:ln>
             <a:extLst>
               <a:ext uri="{91240B29-F687-4f45-9708-019B960494DF}">
-                <a14:hiddenLine xmlns:a14="http://schemas.microsoft.com/office/drawing/2010/main" xmlns="" w="9525">
+                <a14:hiddenLine xmlns="" xmlns:a14="http://schemas.microsoft.com/office/drawing/2010/main" w="9525">
                   <a:solidFill>
                     <a:srgbClr val="000000"/>
                   </a:solidFill>
@@ -635,7 +639,7 @@
             </a:ln>
             <a:extLst>
               <a:ext uri="{91240B29-F687-4f45-9708-019B960494DF}">
-                <a14:hiddenLine xmlns:a14="http://schemas.microsoft.com/office/drawing/2010/main" xmlns="" w="9525">
+                <a14:hiddenLine xmlns="" xmlns:a14="http://schemas.microsoft.com/office/drawing/2010/main" w="9525">
                   <a:solidFill>
                     <a:srgbClr val="000000"/>
                   </a:solidFill>
@@ -697,7 +701,7 @@
             </a:ln>
             <a:extLst>
               <a:ext uri="{91240B29-F687-4f45-9708-019B960494DF}">
-                <a14:hiddenLine xmlns:a14="http://schemas.microsoft.com/office/drawing/2010/main" xmlns="" w="9525">
+                <a14:hiddenLine xmlns="" xmlns:a14="http://schemas.microsoft.com/office/drawing/2010/main" w="9525">
                   <a:solidFill>
                     <a:srgbClr val="000000"/>
                   </a:solidFill>
@@ -787,7 +791,7 @@
             </a:ln>
             <a:extLst>
               <a:ext uri="{91240B29-F687-4f45-9708-019B960494DF}">
-                <a14:hiddenLine xmlns:a14="http://schemas.microsoft.com/office/drawing/2010/main" xmlns="" w="9525">
+                <a14:hiddenLine xmlns="" xmlns:a14="http://schemas.microsoft.com/office/drawing/2010/main" w="9525">
                   <a:solidFill>
                     <a:srgbClr val="000000"/>
                   </a:solidFill>
@@ -849,7 +853,7 @@
             </a:ln>
             <a:extLst>
               <a:ext uri="{91240B29-F687-4f45-9708-019B960494DF}">
-                <a14:hiddenLine xmlns:a14="http://schemas.microsoft.com/office/drawing/2010/main" xmlns="" w="9525">
+                <a14:hiddenLine xmlns="" xmlns:a14="http://schemas.microsoft.com/office/drawing/2010/main" w="9525">
                   <a:solidFill>
                     <a:srgbClr val="000000"/>
                   </a:solidFill>
@@ -911,7 +915,7 @@
             </a:ln>
             <a:extLst>
               <a:ext uri="{91240B29-F687-4f45-9708-019B960494DF}">
-                <a14:hiddenLine xmlns:a14="http://schemas.microsoft.com/office/drawing/2010/main" xmlns="" w="9525">
+                <a14:hiddenLine xmlns="" xmlns:a14="http://schemas.microsoft.com/office/drawing/2010/main" w="9525">
                   <a:solidFill>
                     <a:srgbClr val="000000"/>
                   </a:solidFill>
@@ -1001,7 +1005,7 @@
             </a:ln>
             <a:extLst>
               <a:ext uri="{91240B29-F687-4f45-9708-019B960494DF}">
-                <a14:hiddenLine xmlns:a14="http://schemas.microsoft.com/office/drawing/2010/main" xmlns="" w="9525">
+                <a14:hiddenLine xmlns="" xmlns:a14="http://schemas.microsoft.com/office/drawing/2010/main" w="9525">
                   <a:solidFill>
                     <a:srgbClr val="000000"/>
                   </a:solidFill>
@@ -1091,7 +1095,7 @@
             </a:ln>
             <a:extLst>
               <a:ext uri="{91240B29-F687-4f45-9708-019B960494DF}">
-                <a14:hiddenLine xmlns:a14="http://schemas.microsoft.com/office/drawing/2010/main" xmlns="" w="9525">
+                <a14:hiddenLine xmlns="" xmlns:a14="http://schemas.microsoft.com/office/drawing/2010/main" w="9525">
                   <a:solidFill>
                     <a:srgbClr val="000000"/>
                   </a:solidFill>
@@ -1153,7 +1157,7 @@
             </a:ln>
             <a:extLst>
               <a:ext uri="{91240B29-F687-4f45-9708-019B960494DF}">
-                <a14:hiddenLine xmlns:a14="http://schemas.microsoft.com/office/drawing/2010/main" xmlns="" w="9525">
+                <a14:hiddenLine xmlns="" xmlns:a14="http://schemas.microsoft.com/office/drawing/2010/main" w="9525">
                   <a:solidFill>
                     <a:srgbClr val="000000"/>
                   </a:solidFill>
@@ -1263,7 +1267,7 @@
             </a:ln>
             <a:extLst>
               <a:ext uri="{91240B29-F687-4f45-9708-019B960494DF}">
-                <a14:hiddenLine xmlns:a14="http://schemas.microsoft.com/office/drawing/2010/main" xmlns="" w="9525">
+                <a14:hiddenLine xmlns="" xmlns:a14="http://schemas.microsoft.com/office/drawing/2010/main" w="9525">
                   <a:solidFill>
                     <a:srgbClr val="000000"/>
                   </a:solidFill>
@@ -1325,7 +1329,7 @@
             </a:ln>
             <a:extLst>
               <a:ext uri="{91240B29-F687-4f45-9708-019B960494DF}">
-                <a14:hiddenLine xmlns:a14="http://schemas.microsoft.com/office/drawing/2010/main" xmlns="" w="9525">
+                <a14:hiddenLine xmlns="" xmlns:a14="http://schemas.microsoft.com/office/drawing/2010/main" w="9525">
                   <a:solidFill>
                     <a:srgbClr val="000000"/>
                   </a:solidFill>
@@ -1415,7 +1419,7 @@
             </a:ln>
             <a:extLst>
               <a:ext uri="{91240B29-F687-4f45-9708-019B960494DF}">
-                <a14:hiddenLine xmlns:a14="http://schemas.microsoft.com/office/drawing/2010/main" xmlns="" w="9525">
+                <a14:hiddenLine xmlns="" xmlns:a14="http://schemas.microsoft.com/office/drawing/2010/main" w="9525">
                   <a:solidFill>
                     <a:srgbClr val="000000"/>
                   </a:solidFill>
@@ -1505,7 +1509,7 @@
             </a:ln>
             <a:extLst>
               <a:ext uri="{91240B29-F687-4f45-9708-019B960494DF}">
-                <a14:hiddenLine xmlns:a14="http://schemas.microsoft.com/office/drawing/2010/main" xmlns="" w="9525">
+                <a14:hiddenLine xmlns="" xmlns:a14="http://schemas.microsoft.com/office/drawing/2010/main" w="9525">
                   <a:solidFill>
                     <a:srgbClr val="000000"/>
                   </a:solidFill>
@@ -1567,7 +1571,7 @@
             </a:ln>
             <a:extLst>
               <a:ext uri="{91240B29-F687-4f45-9708-019B960494DF}">
-                <a14:hiddenLine xmlns:a14="http://schemas.microsoft.com/office/drawing/2010/main" xmlns="" w="9525">
+                <a14:hiddenLine xmlns="" xmlns:a14="http://schemas.microsoft.com/office/drawing/2010/main" w="9525">
                   <a:solidFill>
                     <a:srgbClr val="000000"/>
                   </a:solidFill>
@@ -1657,7 +1661,7 @@
             </a:ln>
             <a:extLst>
               <a:ext uri="{91240B29-F687-4f45-9708-019B960494DF}">
-                <a14:hiddenLine xmlns:a14="http://schemas.microsoft.com/office/drawing/2010/main" xmlns="" w="9525">
+                <a14:hiddenLine xmlns="" xmlns:a14="http://schemas.microsoft.com/office/drawing/2010/main" w="9525">
                   <a:solidFill>
                     <a:srgbClr val="000000"/>
                   </a:solidFill>
@@ -1747,7 +1751,7 @@
             </a:ln>
             <a:extLst>
               <a:ext uri="{91240B29-F687-4f45-9708-019B960494DF}">
-                <a14:hiddenLine xmlns:a14="http://schemas.microsoft.com/office/drawing/2010/main" xmlns="" w="9525">
+                <a14:hiddenLine xmlns="" xmlns:a14="http://schemas.microsoft.com/office/drawing/2010/main" w="9525">
                   <a:solidFill>
                     <a:srgbClr val="000000"/>
                   </a:solidFill>
@@ -1803,7 +1807,7 @@
             </a:ln>
             <a:extLst>
               <a:ext uri="{91240B29-F687-4f45-9708-019B960494DF}">
-                <a14:hiddenLine xmlns:a14="http://schemas.microsoft.com/office/drawing/2010/main" xmlns="" w="9525">
+                <a14:hiddenLine xmlns="" xmlns:a14="http://schemas.microsoft.com/office/drawing/2010/main" w="9525">
                   <a:solidFill>
                     <a:srgbClr val="000000"/>
                   </a:solidFill>
@@ -1893,7 +1897,7 @@
             </a:ln>
             <a:extLst>
               <a:ext uri="{91240B29-F687-4f45-9708-019B960494DF}">
-                <a14:hiddenLine xmlns:a14="http://schemas.microsoft.com/office/drawing/2010/main" xmlns="" w="9525">
+                <a14:hiddenLine xmlns="" xmlns:a14="http://schemas.microsoft.com/office/drawing/2010/main" w="9525">
                   <a:solidFill>
                     <a:srgbClr val="000000"/>
                   </a:solidFill>
@@ -1949,7 +1953,7 @@
             </a:ln>
             <a:extLst>
               <a:ext uri="{91240B29-F687-4f45-9708-019B960494DF}">
-                <a14:hiddenLine xmlns:a14="http://schemas.microsoft.com/office/drawing/2010/main" xmlns="" w="9525">
+                <a14:hiddenLine xmlns="" xmlns:a14="http://schemas.microsoft.com/office/drawing/2010/main" w="9525">
                   <a:solidFill>
                     <a:srgbClr val="000000"/>
                   </a:solidFill>
@@ -2039,7 +2043,7 @@
             </a:ln>
             <a:extLst>
               <a:ext uri="{91240B29-F687-4f45-9708-019B960494DF}">
-                <a14:hiddenLine xmlns:a14="http://schemas.microsoft.com/office/drawing/2010/main" xmlns="" w="9525">
+                <a14:hiddenLine xmlns="" xmlns:a14="http://schemas.microsoft.com/office/drawing/2010/main" w="9525">
                   <a:solidFill>
                     <a:srgbClr val="000000"/>
                   </a:solidFill>
@@ -2107,7 +2111,7 @@
             </a:ln>
             <a:extLst>
               <a:ext uri="{91240B29-F687-4f45-9708-019B960494DF}">
-                <a14:hiddenLine xmlns:a14="http://schemas.microsoft.com/office/drawing/2010/main" xmlns="" w="9525">
+                <a14:hiddenLine xmlns="" xmlns:a14="http://schemas.microsoft.com/office/drawing/2010/main" w="9525">
                   <a:solidFill>
                     <a:srgbClr val="000000"/>
                   </a:solidFill>
@@ -2197,7 +2201,7 @@
             </a:ln>
             <a:extLst>
               <a:ext uri="{91240B29-F687-4f45-9708-019B960494DF}">
-                <a14:hiddenLine xmlns:a14="http://schemas.microsoft.com/office/drawing/2010/main" xmlns="" w="9525">
+                <a14:hiddenLine xmlns="" xmlns:a14="http://schemas.microsoft.com/office/drawing/2010/main" w="9525">
                   <a:solidFill>
                     <a:srgbClr val="000000"/>
                   </a:solidFill>
@@ -2265,7 +2269,7 @@
             </a:ln>
             <a:extLst>
               <a:ext uri="{91240B29-F687-4f45-9708-019B960494DF}">
-                <a14:hiddenLine xmlns:a14="http://schemas.microsoft.com/office/drawing/2010/main" xmlns="" w="9525">
+                <a14:hiddenLine xmlns="" xmlns:a14="http://schemas.microsoft.com/office/drawing/2010/main" w="9525">
                   <a:solidFill>
                     <a:srgbClr val="000000"/>
                   </a:solidFill>
@@ -2355,7 +2359,7 @@
             </a:ln>
             <a:extLst>
               <a:ext uri="{91240B29-F687-4f45-9708-019B960494DF}">
-                <a14:hiddenLine xmlns:a14="http://schemas.microsoft.com/office/drawing/2010/main" xmlns="" w="9525">
+                <a14:hiddenLine xmlns="" xmlns:a14="http://schemas.microsoft.com/office/drawing/2010/main" w="9525">
                   <a:solidFill>
                     <a:srgbClr val="000000"/>
                   </a:solidFill>
@@ -2389,7 +2393,7 @@
             </a:ln>
             <a:extLst>
               <a:ext uri="{91240B29-F687-4f45-9708-019B960494DF}">
-                <a14:hiddenLine xmlns:a14="http://schemas.microsoft.com/office/drawing/2010/main" xmlns="" w="9525">
+                <a14:hiddenLine xmlns="" xmlns:a14="http://schemas.microsoft.com/office/drawing/2010/main" w="9525">
                   <a:solidFill>
                     <a:srgbClr val="000000"/>
                   </a:solidFill>
@@ -2479,7 +2483,7 @@
             </a:ln>
             <a:extLst>
               <a:ext uri="{91240B29-F687-4f45-9708-019B960494DF}">
-                <a14:hiddenLine xmlns:a14="http://schemas.microsoft.com/office/drawing/2010/main" xmlns="" w="9525">
+                <a14:hiddenLine xmlns="" xmlns:a14="http://schemas.microsoft.com/office/drawing/2010/main" w="9525">
                   <a:solidFill>
                     <a:srgbClr val="000000"/>
                   </a:solidFill>
@@ -2541,7 +2545,7 @@
             </a:ln>
             <a:extLst>
               <a:ext uri="{91240B29-F687-4f45-9708-019B960494DF}">
-                <a14:hiddenLine xmlns:a14="http://schemas.microsoft.com/office/drawing/2010/main" xmlns="" w="9525">
+                <a14:hiddenLine xmlns="" xmlns:a14="http://schemas.microsoft.com/office/drawing/2010/main" w="9525">
                   <a:solidFill>
                     <a:srgbClr val="000000"/>
                   </a:solidFill>
@@ -2603,7 +2607,7 @@
             </a:ln>
             <a:extLst>
               <a:ext uri="{91240B29-F687-4f45-9708-019B960494DF}">
-                <a14:hiddenLine xmlns:a14="http://schemas.microsoft.com/office/drawing/2010/main" xmlns="" w="9525">
+                <a14:hiddenLine xmlns="" xmlns:a14="http://schemas.microsoft.com/office/drawing/2010/main" w="9525">
                   <a:solidFill>
                     <a:srgbClr val="000000"/>
                   </a:solidFill>
@@ -2693,7 +2697,7 @@
             </a:ln>
             <a:extLst>
               <a:ext uri="{91240B29-F687-4f45-9708-019B960494DF}">
-                <a14:hiddenLine xmlns:a14="http://schemas.microsoft.com/office/drawing/2010/main" xmlns="" w="9525">
+                <a14:hiddenLine xmlns="" xmlns:a14="http://schemas.microsoft.com/office/drawing/2010/main" w="9525">
                   <a:solidFill>
                     <a:srgbClr val="000000"/>
                   </a:solidFill>
@@ -2761,7 +2765,7 @@
             </a:ln>
             <a:extLst>
               <a:ext uri="{91240B29-F687-4f45-9708-019B960494DF}">
-                <a14:hiddenLine xmlns:a14="http://schemas.microsoft.com/office/drawing/2010/main" xmlns="" w="9525">
+                <a14:hiddenLine xmlns="" xmlns:a14="http://schemas.microsoft.com/office/drawing/2010/main" w="9525">
                   <a:solidFill>
                     <a:srgbClr val="000000"/>
                   </a:solidFill>
@@ -2823,7 +2827,7 @@
             </a:ln>
             <a:extLst>
               <a:ext uri="{91240B29-F687-4f45-9708-019B960494DF}">
-                <a14:hiddenLine xmlns:a14="http://schemas.microsoft.com/office/drawing/2010/main" xmlns="" w="9525">
+                <a14:hiddenLine xmlns="" xmlns:a14="http://schemas.microsoft.com/office/drawing/2010/main" w="9525">
                   <a:solidFill>
                     <a:srgbClr val="000000"/>
                   </a:solidFill>
@@ -2913,7 +2917,7 @@
             </a:ln>
             <a:extLst>
               <a:ext uri="{91240B29-F687-4f45-9708-019B960494DF}">
-                <a14:hiddenLine xmlns:a14="http://schemas.microsoft.com/office/drawing/2010/main" xmlns="" w="9525">
+                <a14:hiddenLine xmlns="" xmlns:a14="http://schemas.microsoft.com/office/drawing/2010/main" w="9525">
                   <a:solidFill>
                     <a:srgbClr val="000000"/>
                   </a:solidFill>
@@ -2975,7 +2979,7 @@
             </a:ln>
             <a:extLst>
               <a:ext uri="{91240B29-F687-4f45-9708-019B960494DF}">
-                <a14:hiddenLine xmlns:a14="http://schemas.microsoft.com/office/drawing/2010/main" xmlns="" w="9525">
+                <a14:hiddenLine xmlns="" xmlns:a14="http://schemas.microsoft.com/office/drawing/2010/main" w="9525">
                   <a:solidFill>
                     <a:srgbClr val="000000"/>
                   </a:solidFill>
@@ -3065,7 +3069,7 @@
             </a:ln>
             <a:extLst>
               <a:ext uri="{91240B29-F687-4f45-9708-019B960494DF}">
-                <a14:hiddenLine xmlns:a14="http://schemas.microsoft.com/office/drawing/2010/main" xmlns="" w="9525">
+                <a14:hiddenLine xmlns="" xmlns:a14="http://schemas.microsoft.com/office/drawing/2010/main" w="9525">
                   <a:solidFill>
                     <a:srgbClr val="000000"/>
                   </a:solidFill>
@@ -3127,7 +3131,7 @@
             </a:ln>
             <a:extLst>
               <a:ext uri="{91240B29-F687-4f45-9708-019B960494DF}">
-                <a14:hiddenLine xmlns:a14="http://schemas.microsoft.com/office/drawing/2010/main" xmlns="" w="9525">
+                <a14:hiddenLine xmlns="" xmlns:a14="http://schemas.microsoft.com/office/drawing/2010/main" w="9525">
                   <a:solidFill>
                     <a:srgbClr val="000000"/>
                   </a:solidFill>
@@ -3217,7 +3221,7 @@
             </a:ln>
             <a:extLst>
               <a:ext uri="{91240B29-F687-4f45-9708-019B960494DF}">
-                <a14:hiddenLine xmlns:a14="http://schemas.microsoft.com/office/drawing/2010/main" xmlns="" w="9525">
+                <a14:hiddenLine xmlns="" xmlns:a14="http://schemas.microsoft.com/office/drawing/2010/main" w="9525">
                   <a:solidFill>
                     <a:srgbClr val="000000"/>
                   </a:solidFill>
@@ -3251,7 +3255,7 @@
             </a:ln>
             <a:extLst>
               <a:ext uri="{91240B29-F687-4f45-9708-019B960494DF}">
-                <a14:hiddenLine xmlns:a14="http://schemas.microsoft.com/office/drawing/2010/main" xmlns="" w="9525">
+                <a14:hiddenLine xmlns="" xmlns:a14="http://schemas.microsoft.com/office/drawing/2010/main" w="9525">
                   <a:solidFill>
                     <a:srgbClr val="000000"/>
                   </a:solidFill>
@@ -3316,7 +3320,7 @@
             </a:ln>
             <a:extLst>
               <a:ext uri="{91240B29-F687-4f45-9708-019B960494DF}">
-                <a14:hiddenLine xmlns:a14="http://schemas.microsoft.com/office/drawing/2010/main" xmlns="" w="9525">
+                <a14:hiddenLine xmlns="" xmlns:a14="http://schemas.microsoft.com/office/drawing/2010/main" w="9525">
                   <a:solidFill>
                     <a:srgbClr val="000000"/>
                   </a:solidFill>
@@ -3406,7 +3410,7 @@
             </a:ln>
             <a:extLst>
               <a:ext uri="{91240B29-F687-4f45-9708-019B960494DF}">
-                <a14:hiddenLine xmlns:a14="http://schemas.microsoft.com/office/drawing/2010/main" xmlns="" w="9525">
+                <a14:hiddenLine xmlns="" xmlns:a14="http://schemas.microsoft.com/office/drawing/2010/main" w="9525">
                   <a:solidFill>
                     <a:srgbClr val="000000"/>
                   </a:solidFill>
@@ -3468,7 +3472,7 @@
             </a:ln>
             <a:extLst>
               <a:ext uri="{91240B29-F687-4f45-9708-019B960494DF}">
-                <a14:hiddenLine xmlns:a14="http://schemas.microsoft.com/office/drawing/2010/main" xmlns="" w="9525">
+                <a14:hiddenLine xmlns="" xmlns:a14="http://schemas.microsoft.com/office/drawing/2010/main" w="9525">
                   <a:solidFill>
                     <a:srgbClr val="000000"/>
                   </a:solidFill>
@@ -3558,7 +3562,7 @@
             </a:ln>
             <a:extLst>
               <a:ext uri="{91240B29-F687-4f45-9708-019B960494DF}">
-                <a14:hiddenLine xmlns:a14="http://schemas.microsoft.com/office/drawing/2010/main" xmlns="" w="9525">
+                <a14:hiddenLine xmlns="" xmlns:a14="http://schemas.microsoft.com/office/drawing/2010/main" w="9525">
                   <a:solidFill>
                     <a:srgbClr val="000000"/>
                   </a:solidFill>
@@ -3648,7 +3652,7 @@
             </a:ln>
             <a:extLst>
               <a:ext uri="{91240B29-F687-4f45-9708-019B960494DF}">
-                <a14:hiddenLine xmlns:a14="http://schemas.microsoft.com/office/drawing/2010/main" xmlns="" w="9525">
+                <a14:hiddenLine xmlns="" xmlns:a14="http://schemas.microsoft.com/office/drawing/2010/main" w="9525">
                   <a:solidFill>
                     <a:srgbClr val="000000"/>
                   </a:solidFill>
@@ -3713,7 +3717,7 @@
             </a:ln>
             <a:extLst>
               <a:ext uri="{91240B29-F687-4f45-9708-019B960494DF}">
-                <a14:hiddenLine xmlns:a14="http://schemas.microsoft.com/office/drawing/2010/main" xmlns="" w="9525">
+                <a14:hiddenLine xmlns="" xmlns:a14="http://schemas.microsoft.com/office/drawing/2010/main" w="9525">
                   <a:solidFill>
                     <a:srgbClr val="000000"/>
                   </a:solidFill>
@@ -3775,7 +3779,7 @@
             </a:ln>
             <a:extLst>
               <a:ext uri="{91240B29-F687-4f45-9708-019B960494DF}">
-                <a14:hiddenLine xmlns:a14="http://schemas.microsoft.com/office/drawing/2010/main" xmlns="" w="9525">
+                <a14:hiddenLine xmlns="" xmlns:a14="http://schemas.microsoft.com/office/drawing/2010/main" w="9525">
                   <a:solidFill>
                     <a:srgbClr val="000000"/>
                   </a:solidFill>
@@ -3865,7 +3869,7 @@
             </a:ln>
             <a:extLst>
               <a:ext uri="{91240B29-F687-4f45-9708-019B960494DF}">
-                <a14:hiddenLine xmlns:a14="http://schemas.microsoft.com/office/drawing/2010/main" xmlns="" w="9525">
+                <a14:hiddenLine xmlns="" xmlns:a14="http://schemas.microsoft.com/office/drawing/2010/main" w="9525">
                   <a:solidFill>
                     <a:srgbClr val="000000"/>
                   </a:solidFill>
@@ -3955,7 +3959,7 @@
             </a:ln>
             <a:extLst>
               <a:ext uri="{91240B29-F687-4f45-9708-019B960494DF}">
-                <a14:hiddenLine xmlns:a14="http://schemas.microsoft.com/office/drawing/2010/main" xmlns="" w="9525">
+                <a14:hiddenLine xmlns="" xmlns:a14="http://schemas.microsoft.com/office/drawing/2010/main" w="9525">
                   <a:solidFill>
                     <a:srgbClr val="000000"/>
                   </a:solidFill>
@@ -4017,7 +4021,7 @@
             </a:ln>
             <a:extLst>
               <a:ext uri="{91240B29-F687-4f45-9708-019B960494DF}">
-                <a14:hiddenLine xmlns:a14="http://schemas.microsoft.com/office/drawing/2010/main" xmlns="" w="9525">
+                <a14:hiddenLine xmlns="" xmlns:a14="http://schemas.microsoft.com/office/drawing/2010/main" w="9525">
                   <a:solidFill>
                     <a:srgbClr val="000000"/>
                   </a:solidFill>
@@ -4137,7 +4141,7 @@
             </a:ln>
             <a:extLst>
               <a:ext uri="{91240B29-F687-4f45-9708-019B960494DF}">
-                <a14:hiddenLine xmlns:a14="http://schemas.microsoft.com/office/drawing/2010/main" xmlns="" w="9525">
+                <a14:hiddenLine xmlns="" xmlns:a14="http://schemas.microsoft.com/office/drawing/2010/main" w="9525">
                   <a:solidFill>
                     <a:srgbClr val="000000"/>
                   </a:solidFill>
@@ -4205,7 +4209,7 @@
             </a:ln>
             <a:extLst>
               <a:ext uri="{91240B29-F687-4f45-9708-019B960494DF}">
-                <a14:hiddenLine xmlns:a14="http://schemas.microsoft.com/office/drawing/2010/main" xmlns="" w="9525">
+                <a14:hiddenLine xmlns="" xmlns:a14="http://schemas.microsoft.com/office/drawing/2010/main" w="9525">
                   <a:solidFill>
                     <a:srgbClr val="000000"/>
                   </a:solidFill>
@@ -4295,7 +4299,7 @@
             </a:ln>
             <a:extLst>
               <a:ext uri="{91240B29-F687-4f45-9708-019B960494DF}">
-                <a14:hiddenLine xmlns:a14="http://schemas.microsoft.com/office/drawing/2010/main" xmlns="" w="9525">
+                <a14:hiddenLine xmlns="" xmlns:a14="http://schemas.microsoft.com/office/drawing/2010/main" w="9525">
                   <a:solidFill>
                     <a:srgbClr val="000000"/>
                   </a:solidFill>
@@ -4436,7 +4440,7 @@
             <a:fld id="{B61BEF0D-F0BB-DE4B-95CE-6DB70DBA9567}" type="datetimeFigureOut">
               <a:rPr lang="en-US" smtClean="0"/>
               <a:pPr/>
-              <a:t>9/6/19</a:t>
+              <a:t>9/9/19</a:t>
             </a:fld>
             <a:endParaRPr lang="en-US" dirty="0"/>
           </a:p>
@@ -4705,7 +4709,7 @@
             <a:fld id="{B61BEF0D-F0BB-DE4B-95CE-6DB70DBA9567}" type="datetimeFigureOut">
               <a:rPr lang="en-US" smtClean="0"/>
               <a:pPr/>
-              <a:t>9/6/19</a:t>
+              <a:t>9/9/19</a:t>
             </a:fld>
             <a:endParaRPr lang="en-US" dirty="0"/>
           </a:p>
@@ -4903,7 +4907,7 @@
             <a:fld id="{B61BEF0D-F0BB-DE4B-95CE-6DB70DBA9567}" type="datetimeFigureOut">
               <a:rPr lang="en-US" smtClean="0"/>
               <a:pPr/>
-              <a:t>9/6/19</a:t>
+              <a:t>9/9/19</a:t>
             </a:fld>
             <a:endParaRPr lang="en-US" dirty="0"/>
           </a:p>
@@ -5168,7 +5172,7 @@
             <a:fld id="{B61BEF0D-F0BB-DE4B-95CE-6DB70DBA9567}" type="datetimeFigureOut">
               <a:rPr lang="en-US" smtClean="0"/>
               <a:pPr/>
-              <a:t>9/6/19</a:t>
+              <a:t>9/9/19</a:t>
             </a:fld>
             <a:endParaRPr lang="en-US" dirty="0"/>
           </a:p>
@@ -5604,7 +5608,7 @@
             <a:fld id="{B61BEF0D-F0BB-DE4B-95CE-6DB70DBA9567}" type="datetimeFigureOut">
               <a:rPr lang="en-US" smtClean="0"/>
               <a:pPr/>
-              <a:t>9/6/19</a:t>
+              <a:t>9/9/19</a:t>
             </a:fld>
             <a:endParaRPr lang="en-US" dirty="0"/>
           </a:p>
@@ -6152,7 +6156,7 @@
             <a:fld id="{B61BEF0D-F0BB-DE4B-95CE-6DB70DBA9567}" type="datetimeFigureOut">
               <a:rPr lang="en-US" smtClean="0"/>
               <a:pPr/>
-              <a:t>9/6/19</a:t>
+              <a:t>9/9/19</a:t>
             </a:fld>
             <a:endParaRPr lang="en-US" dirty="0"/>
           </a:p>
@@ -6874,7 +6878,7 @@
             <a:fld id="{B61BEF0D-F0BB-DE4B-95CE-6DB70DBA9567}" type="datetimeFigureOut">
               <a:rPr lang="en-US" smtClean="0"/>
               <a:pPr/>
-              <a:t>9/6/19</a:t>
+              <a:t>9/9/19</a:t>
             </a:fld>
             <a:endParaRPr lang="en-US" dirty="0"/>
           </a:p>
@@ -7046,7 +7050,7 @@
             <a:fld id="{B61BEF0D-F0BB-DE4B-95CE-6DB70DBA9567}" type="datetimeFigureOut">
               <a:rPr lang="en-US" smtClean="0"/>
               <a:pPr/>
-              <a:t>9/6/19</a:t>
+              <a:t>9/9/19</a:t>
             </a:fld>
             <a:endParaRPr lang="en-US" dirty="0"/>
           </a:p>
@@ -7228,7 +7232,7 @@
             <a:fld id="{B61BEF0D-F0BB-DE4B-95CE-6DB70DBA9567}" type="datetimeFigureOut">
               <a:rPr lang="en-US" smtClean="0"/>
               <a:pPr/>
-              <a:t>9/6/19</a:t>
+              <a:t>9/9/19</a:t>
             </a:fld>
             <a:endParaRPr lang="en-US" dirty="0"/>
           </a:p>
@@ -7417,7 +7421,7 @@
             <a:fld id="{B61BEF0D-F0BB-DE4B-95CE-6DB70DBA9567}" type="datetimeFigureOut">
               <a:rPr lang="en-US" smtClean="0"/>
               <a:pPr/>
-              <a:t>9/6/19</a:t>
+              <a:t>9/9/19</a:t>
             </a:fld>
             <a:endParaRPr lang="en-US" dirty="0"/>
           </a:p>
@@ -7669,7 +7673,7 @@
             <a:fld id="{B61BEF0D-F0BB-DE4B-95CE-6DB70DBA9567}" type="datetimeFigureOut">
               <a:rPr lang="en-US" smtClean="0"/>
               <a:pPr/>
-              <a:t>9/6/19</a:t>
+              <a:t>9/9/19</a:t>
             </a:fld>
             <a:endParaRPr lang="en-US" dirty="0"/>
           </a:p>
@@ -7903,7 +7907,7 @@
             <a:fld id="{B61BEF0D-F0BB-DE4B-95CE-6DB70DBA9567}" type="datetimeFigureOut">
               <a:rPr lang="en-US" smtClean="0"/>
               <a:pPr/>
-              <a:t>9/6/19</a:t>
+              <a:t>9/9/19</a:t>
             </a:fld>
             <a:endParaRPr lang="en-US" dirty="0"/>
           </a:p>
@@ -8290,7 +8294,7 @@
             <a:fld id="{B61BEF0D-F0BB-DE4B-95CE-6DB70DBA9567}" type="datetimeFigureOut">
               <a:rPr lang="en-US" smtClean="0"/>
               <a:pPr/>
-              <a:t>9/6/19</a:t>
+              <a:t>9/9/19</a:t>
             </a:fld>
             <a:endParaRPr lang="en-US" dirty="0"/>
           </a:p>
@@ -8410,7 +8414,7 @@
             <a:fld id="{B61BEF0D-F0BB-DE4B-95CE-6DB70DBA9567}" type="datetimeFigureOut">
               <a:rPr lang="en-US" smtClean="0"/>
               <a:pPr/>
-              <a:t>9/6/19</a:t>
+              <a:t>9/9/19</a:t>
             </a:fld>
             <a:endParaRPr lang="en-US" dirty="0"/>
           </a:p>
@@ -8507,7 +8511,7 @@
             <a:fld id="{B61BEF0D-F0BB-DE4B-95CE-6DB70DBA9567}" type="datetimeFigureOut">
               <a:rPr lang="en-US" smtClean="0"/>
               <a:pPr/>
-              <a:t>9/6/19</a:t>
+              <a:t>9/9/19</a:t>
             </a:fld>
             <a:endParaRPr lang="en-US" dirty="0"/>
           </a:p>
@@ -8758,7 +8762,7 @@
             <a:fld id="{B61BEF0D-F0BB-DE4B-95CE-6DB70DBA9567}" type="datetimeFigureOut">
               <a:rPr lang="en-US" smtClean="0"/>
               <a:pPr/>
-              <a:t>9/6/19</a:t>
+              <a:t>9/9/19</a:t>
             </a:fld>
             <a:endParaRPr lang="en-US" dirty="0"/>
           </a:p>
@@ -9045,7 +9049,7 @@
             <a:fld id="{B61BEF0D-F0BB-DE4B-95CE-6DB70DBA9567}" type="datetimeFigureOut">
               <a:rPr lang="en-US" smtClean="0"/>
               <a:pPr/>
-              <a:t>9/6/19</a:t>
+              <a:t>9/9/19</a:t>
             </a:fld>
             <a:endParaRPr lang="en-US" dirty="0"/>
           </a:p>
@@ -9169,7 +9173,7 @@
           <a:noFill/>
           <a:extLst>
             <a:ext uri="{909E8E84-426E-40dd-AFC4-6F175D3DCCD1}">
-              <a14:hiddenFill xmlns:a14="http://schemas.microsoft.com/office/drawing/2010/main" xmlns="">
+              <a14:hiddenFill xmlns="" xmlns:a14="http://schemas.microsoft.com/office/drawing/2010/main">
                 <a:solidFill>
                   <a:srgbClr val="FFFFFF"/>
                 </a:solidFill>
@@ -9243,7 +9247,7 @@
               </a:ln>
               <a:extLst>
                 <a:ext uri="{91240B29-F687-4f45-9708-019B960494DF}">
-                  <a14:hiddenLine xmlns:a14="http://schemas.microsoft.com/office/drawing/2010/main" xmlns="" w="9525">
+                  <a14:hiddenLine xmlns="" xmlns:a14="http://schemas.microsoft.com/office/drawing/2010/main" w="9525">
                     <a:solidFill>
                       <a:srgbClr val="000000"/>
                     </a:solidFill>
@@ -9333,7 +9337,7 @@
               </a:ln>
               <a:extLst>
                 <a:ext uri="{91240B29-F687-4f45-9708-019B960494DF}">
-                  <a14:hiddenLine xmlns:a14="http://schemas.microsoft.com/office/drawing/2010/main" xmlns="" w="9525">
+                  <a14:hiddenLine xmlns="" xmlns:a14="http://schemas.microsoft.com/office/drawing/2010/main" w="9525">
                     <a:solidFill>
                       <a:srgbClr val="000000"/>
                     </a:solidFill>
@@ -9423,7 +9427,7 @@
               </a:ln>
               <a:extLst>
                 <a:ext uri="{91240B29-F687-4f45-9708-019B960494DF}">
-                  <a14:hiddenLine xmlns:a14="http://schemas.microsoft.com/office/drawing/2010/main" xmlns="" w="9525">
+                  <a14:hiddenLine xmlns="" xmlns:a14="http://schemas.microsoft.com/office/drawing/2010/main" w="9525">
                     <a:solidFill>
                       <a:srgbClr val="000000"/>
                     </a:solidFill>
@@ -9485,7 +9489,7 @@
               </a:ln>
               <a:extLst>
                 <a:ext uri="{91240B29-F687-4f45-9708-019B960494DF}">
-                  <a14:hiddenLine xmlns:a14="http://schemas.microsoft.com/office/drawing/2010/main" xmlns="" w="9525">
+                  <a14:hiddenLine xmlns="" xmlns:a14="http://schemas.microsoft.com/office/drawing/2010/main" w="9525">
                     <a:solidFill>
                       <a:srgbClr val="000000"/>
                     </a:solidFill>
@@ -9575,7 +9579,7 @@
               </a:ln>
               <a:extLst>
                 <a:ext uri="{91240B29-F687-4f45-9708-019B960494DF}">
-                  <a14:hiddenLine xmlns:a14="http://schemas.microsoft.com/office/drawing/2010/main" xmlns="" w="9525">
+                  <a14:hiddenLine xmlns="" xmlns:a14="http://schemas.microsoft.com/office/drawing/2010/main" w="9525">
                     <a:solidFill>
                       <a:srgbClr val="000000"/>
                     </a:solidFill>
@@ -9637,7 +9641,7 @@
               </a:ln>
               <a:extLst>
                 <a:ext uri="{91240B29-F687-4f45-9708-019B960494DF}">
-                  <a14:hiddenLine xmlns:a14="http://schemas.microsoft.com/office/drawing/2010/main" xmlns="" w="9525">
+                  <a14:hiddenLine xmlns="" xmlns:a14="http://schemas.microsoft.com/office/drawing/2010/main" w="9525">
                     <a:solidFill>
                       <a:srgbClr val="000000"/>
                     </a:solidFill>
@@ -9699,7 +9703,7 @@
               </a:ln>
               <a:extLst>
                 <a:ext uri="{91240B29-F687-4f45-9708-019B960494DF}">
-                  <a14:hiddenLine xmlns:a14="http://schemas.microsoft.com/office/drawing/2010/main" xmlns="" w="9525">
+                  <a14:hiddenLine xmlns="" xmlns:a14="http://schemas.microsoft.com/office/drawing/2010/main" w="9525">
                     <a:solidFill>
                       <a:srgbClr val="000000"/>
                     </a:solidFill>
@@ -9789,7 +9793,7 @@
               </a:ln>
               <a:extLst>
                 <a:ext uri="{91240B29-F687-4f45-9708-019B960494DF}">
-                  <a14:hiddenLine xmlns:a14="http://schemas.microsoft.com/office/drawing/2010/main" xmlns="" w="9525">
+                  <a14:hiddenLine xmlns="" xmlns:a14="http://schemas.microsoft.com/office/drawing/2010/main" w="9525">
                     <a:solidFill>
                       <a:srgbClr val="000000"/>
                     </a:solidFill>
@@ -9879,7 +9883,7 @@
               </a:ln>
               <a:extLst>
                 <a:ext uri="{91240B29-F687-4f45-9708-019B960494DF}">
-                  <a14:hiddenLine xmlns:a14="http://schemas.microsoft.com/office/drawing/2010/main" xmlns="" w="9525">
+                  <a14:hiddenLine xmlns="" xmlns:a14="http://schemas.microsoft.com/office/drawing/2010/main" w="9525">
                     <a:solidFill>
                       <a:srgbClr val="000000"/>
                     </a:solidFill>
@@ -9941,7 +9945,7 @@
               </a:ln>
               <a:extLst>
                 <a:ext uri="{91240B29-F687-4f45-9708-019B960494DF}">
-                  <a14:hiddenLine xmlns:a14="http://schemas.microsoft.com/office/drawing/2010/main" xmlns="" w="9525">
+                  <a14:hiddenLine xmlns="" xmlns:a14="http://schemas.microsoft.com/office/drawing/2010/main" w="9525">
                     <a:solidFill>
                       <a:srgbClr val="000000"/>
                     </a:solidFill>
@@ -10051,7 +10055,7 @@
               </a:ln>
               <a:extLst>
                 <a:ext uri="{91240B29-F687-4f45-9708-019B960494DF}">
-                  <a14:hiddenLine xmlns:a14="http://schemas.microsoft.com/office/drawing/2010/main" xmlns="" w="9525">
+                  <a14:hiddenLine xmlns="" xmlns:a14="http://schemas.microsoft.com/office/drawing/2010/main" w="9525">
                     <a:solidFill>
                       <a:srgbClr val="000000"/>
                     </a:solidFill>
@@ -10135,7 +10139,7 @@
               </a:ln>
               <a:extLst>
                 <a:ext uri="{91240B29-F687-4f45-9708-019B960494DF}">
-                  <a14:hiddenLine xmlns:a14="http://schemas.microsoft.com/office/drawing/2010/main" xmlns="" w="9525">
+                  <a14:hiddenLine xmlns="" xmlns:a14="http://schemas.microsoft.com/office/drawing/2010/main" w="9525">
                     <a:solidFill>
                       <a:srgbClr val="000000"/>
                     </a:solidFill>
@@ -10197,7 +10201,7 @@
               </a:ln>
               <a:extLst>
                 <a:ext uri="{91240B29-F687-4f45-9708-019B960494DF}">
-                  <a14:hiddenLine xmlns:a14="http://schemas.microsoft.com/office/drawing/2010/main" xmlns="" w="9525">
+                  <a14:hiddenLine xmlns="" xmlns:a14="http://schemas.microsoft.com/office/drawing/2010/main" w="9525">
                     <a:solidFill>
                       <a:srgbClr val="000000"/>
                     </a:solidFill>
@@ -10259,7 +10263,7 @@
               </a:ln>
               <a:extLst>
                 <a:ext uri="{91240B29-F687-4f45-9708-019B960494DF}">
-                  <a14:hiddenLine xmlns:a14="http://schemas.microsoft.com/office/drawing/2010/main" xmlns="" w="9525">
+                  <a14:hiddenLine xmlns="" xmlns:a14="http://schemas.microsoft.com/office/drawing/2010/main" w="9525">
                     <a:solidFill>
                       <a:srgbClr val="000000"/>
                     </a:solidFill>
@@ -10349,7 +10353,7 @@
               </a:ln>
               <a:extLst>
                 <a:ext uri="{91240B29-F687-4f45-9708-019B960494DF}">
-                  <a14:hiddenLine xmlns:a14="http://schemas.microsoft.com/office/drawing/2010/main" xmlns="" w="9525">
+                  <a14:hiddenLine xmlns="" xmlns:a14="http://schemas.microsoft.com/office/drawing/2010/main" w="9525">
                     <a:solidFill>
                       <a:srgbClr val="000000"/>
                     </a:solidFill>
@@ -10383,7 +10387,7 @@
               </a:ln>
               <a:extLst>
                 <a:ext uri="{91240B29-F687-4f45-9708-019B960494DF}">
-                  <a14:hiddenLine xmlns:a14="http://schemas.microsoft.com/office/drawing/2010/main" xmlns="" w="9525">
+                  <a14:hiddenLine xmlns="" xmlns:a14="http://schemas.microsoft.com/office/drawing/2010/main" w="9525">
                     <a:solidFill>
                       <a:srgbClr val="000000"/>
                     </a:solidFill>
@@ -10448,7 +10452,7 @@
               </a:ln>
               <a:extLst>
                 <a:ext uri="{91240B29-F687-4f45-9708-019B960494DF}">
-                  <a14:hiddenLine xmlns:a14="http://schemas.microsoft.com/office/drawing/2010/main" xmlns="" w="9525">
+                  <a14:hiddenLine xmlns="" xmlns:a14="http://schemas.microsoft.com/office/drawing/2010/main" w="9525">
                     <a:solidFill>
                       <a:srgbClr val="000000"/>
                     </a:solidFill>
@@ -10538,7 +10542,7 @@
               </a:ln>
               <a:extLst>
                 <a:ext uri="{91240B29-F687-4f45-9708-019B960494DF}">
-                  <a14:hiddenLine xmlns:a14="http://schemas.microsoft.com/office/drawing/2010/main" xmlns="" w="9525">
+                  <a14:hiddenLine xmlns="" xmlns:a14="http://schemas.microsoft.com/office/drawing/2010/main" w="9525">
                     <a:solidFill>
                       <a:srgbClr val="000000"/>
                     </a:solidFill>
@@ -10600,7 +10604,7 @@
               </a:ln>
               <a:extLst>
                 <a:ext uri="{91240B29-F687-4f45-9708-019B960494DF}">
-                  <a14:hiddenLine xmlns:a14="http://schemas.microsoft.com/office/drawing/2010/main" xmlns="" w="9525">
+                  <a14:hiddenLine xmlns="" xmlns:a14="http://schemas.microsoft.com/office/drawing/2010/main" w="9525">
                     <a:solidFill>
                       <a:srgbClr val="000000"/>
                     </a:solidFill>
@@ -10690,7 +10694,7 @@
               </a:ln>
               <a:extLst>
                 <a:ext uri="{91240B29-F687-4f45-9708-019B960494DF}">
-                  <a14:hiddenLine xmlns:a14="http://schemas.microsoft.com/office/drawing/2010/main" xmlns="" w="9525">
+                  <a14:hiddenLine xmlns="" xmlns:a14="http://schemas.microsoft.com/office/drawing/2010/main" w="9525">
                     <a:solidFill>
                       <a:srgbClr val="000000"/>
                     </a:solidFill>
@@ -10755,7 +10759,7 @@
               </a:ln>
               <a:extLst>
                 <a:ext uri="{91240B29-F687-4f45-9708-019B960494DF}">
-                  <a14:hiddenLine xmlns:a14="http://schemas.microsoft.com/office/drawing/2010/main" xmlns="" w="9525">
+                  <a14:hiddenLine xmlns="" xmlns:a14="http://schemas.microsoft.com/office/drawing/2010/main" w="9525">
                     <a:solidFill>
                       <a:srgbClr val="000000"/>
                     </a:solidFill>
@@ -10817,7 +10821,7 @@
               </a:ln>
               <a:extLst>
                 <a:ext uri="{91240B29-F687-4f45-9708-019B960494DF}">
-                  <a14:hiddenLine xmlns:a14="http://schemas.microsoft.com/office/drawing/2010/main" xmlns="" w="9525">
+                  <a14:hiddenLine xmlns="" xmlns:a14="http://schemas.microsoft.com/office/drawing/2010/main" w="9525">
                     <a:solidFill>
                       <a:srgbClr val="000000"/>
                     </a:solidFill>
@@ -10907,7 +10911,7 @@
               </a:ln>
               <a:extLst>
                 <a:ext uri="{91240B29-F687-4f45-9708-019B960494DF}">
-                  <a14:hiddenLine xmlns:a14="http://schemas.microsoft.com/office/drawing/2010/main" xmlns="" w="9525">
+                  <a14:hiddenLine xmlns="" xmlns:a14="http://schemas.microsoft.com/office/drawing/2010/main" w="9525">
                     <a:solidFill>
                       <a:srgbClr val="000000"/>
                     </a:solidFill>
@@ -10997,7 +11001,7 @@
               </a:ln>
               <a:extLst>
                 <a:ext uri="{91240B29-F687-4f45-9708-019B960494DF}">
-                  <a14:hiddenLine xmlns:a14="http://schemas.microsoft.com/office/drawing/2010/main" xmlns="" w="9525">
+                  <a14:hiddenLine xmlns="" xmlns:a14="http://schemas.microsoft.com/office/drawing/2010/main" w="9525">
                     <a:solidFill>
                       <a:srgbClr val="000000"/>
                     </a:solidFill>
@@ -11062,7 +11066,7 @@
               </a:ln>
               <a:extLst>
                 <a:ext uri="{91240B29-F687-4f45-9708-019B960494DF}">
-                  <a14:hiddenLine xmlns:a14="http://schemas.microsoft.com/office/drawing/2010/main" xmlns="" w="9525">
+                  <a14:hiddenLine xmlns="" xmlns:a14="http://schemas.microsoft.com/office/drawing/2010/main" w="9525">
                     <a:solidFill>
                       <a:srgbClr val="000000"/>
                     </a:solidFill>
@@ -11182,7 +11186,7 @@
               </a:ln>
               <a:extLst>
                 <a:ext uri="{91240B29-F687-4f45-9708-019B960494DF}">
-                  <a14:hiddenLine xmlns:a14="http://schemas.microsoft.com/office/drawing/2010/main" xmlns="" w="9525">
+                  <a14:hiddenLine xmlns="" xmlns:a14="http://schemas.microsoft.com/office/drawing/2010/main" w="9525">
                     <a:solidFill>
                       <a:srgbClr val="000000"/>
                     </a:solidFill>
@@ -11263,7 +11267,7 @@
               </a:ln>
               <a:extLst>
                 <a:ext uri="{91240B29-F687-4f45-9708-019B960494DF}">
-                  <a14:hiddenLine xmlns:a14="http://schemas.microsoft.com/office/drawing/2010/main" xmlns="" w="9525">
+                  <a14:hiddenLine xmlns="" xmlns:a14="http://schemas.microsoft.com/office/drawing/2010/main" w="9525">
                     <a:solidFill>
                       <a:srgbClr val="000000"/>
                     </a:solidFill>
@@ -11378,7 +11382,7 @@
               </a:ln>
               <a:extLst>
                 <a:ext uri="{91240B29-F687-4f45-9708-019B960494DF}">
-                  <a14:hiddenLine xmlns:a14="http://schemas.microsoft.com/office/drawing/2010/main" xmlns="" w="9525">
+                  <a14:hiddenLine xmlns="" xmlns:a14="http://schemas.microsoft.com/office/drawing/2010/main" w="9525">
                     <a:solidFill>
                       <a:srgbClr val="000000"/>
                     </a:solidFill>
@@ -11468,7 +11472,7 @@
               </a:ln>
               <a:extLst>
                 <a:ext uri="{91240B29-F687-4f45-9708-019B960494DF}">
-                  <a14:hiddenLine xmlns:a14="http://schemas.microsoft.com/office/drawing/2010/main" xmlns="" w="9525">
+                  <a14:hiddenLine xmlns="" xmlns:a14="http://schemas.microsoft.com/office/drawing/2010/main" w="9525">
                     <a:solidFill>
                       <a:srgbClr val="000000"/>
                     </a:solidFill>
@@ -11533,7 +11537,7 @@
               </a:ln>
               <a:extLst>
                 <a:ext uri="{91240B29-F687-4f45-9708-019B960494DF}">
-                  <a14:hiddenLine xmlns:a14="http://schemas.microsoft.com/office/drawing/2010/main" xmlns="" w="9525">
+                  <a14:hiddenLine xmlns="" xmlns:a14="http://schemas.microsoft.com/office/drawing/2010/main" w="9525">
                     <a:solidFill>
                       <a:srgbClr val="000000"/>
                     </a:solidFill>
@@ -11623,7 +11627,7 @@
               </a:ln>
               <a:extLst>
                 <a:ext uri="{91240B29-F687-4f45-9708-019B960494DF}">
-                  <a14:hiddenLine xmlns:a14="http://schemas.microsoft.com/office/drawing/2010/main" xmlns="" w="9525">
+                  <a14:hiddenLine xmlns="" xmlns:a14="http://schemas.microsoft.com/office/drawing/2010/main" w="9525">
                     <a:solidFill>
                       <a:srgbClr val="000000"/>
                     </a:solidFill>
@@ -11691,7 +11695,7 @@
               </a:ln>
               <a:extLst>
                 <a:ext uri="{91240B29-F687-4f45-9708-019B960494DF}">
-                  <a14:hiddenLine xmlns:a14="http://schemas.microsoft.com/office/drawing/2010/main" xmlns="" w="9525">
+                  <a14:hiddenLine xmlns="" xmlns:a14="http://schemas.microsoft.com/office/drawing/2010/main" w="9525">
                     <a:solidFill>
                       <a:srgbClr val="000000"/>
                     </a:solidFill>
@@ -11781,7 +11785,7 @@
               </a:ln>
               <a:extLst>
                 <a:ext uri="{91240B29-F687-4f45-9708-019B960494DF}">
-                  <a14:hiddenLine xmlns:a14="http://schemas.microsoft.com/office/drawing/2010/main" xmlns="" w="9525">
+                  <a14:hiddenLine xmlns="" xmlns:a14="http://schemas.microsoft.com/office/drawing/2010/main" w="9525">
                     <a:solidFill>
                       <a:srgbClr val="000000"/>
                     </a:solidFill>
@@ -11849,7 +11853,7 @@
               </a:ln>
               <a:extLst>
                 <a:ext uri="{91240B29-F687-4f45-9708-019B960494DF}">
-                  <a14:hiddenLine xmlns:a14="http://schemas.microsoft.com/office/drawing/2010/main" xmlns="" w="9525">
+                  <a14:hiddenLine xmlns="" xmlns:a14="http://schemas.microsoft.com/office/drawing/2010/main" w="9525">
                     <a:solidFill>
                       <a:srgbClr val="000000"/>
                     </a:solidFill>
@@ -11939,7 +11943,7 @@
               </a:ln>
               <a:extLst>
                 <a:ext uri="{91240B29-F687-4f45-9708-019B960494DF}">
-                  <a14:hiddenLine xmlns:a14="http://schemas.microsoft.com/office/drawing/2010/main" xmlns="" w="9525">
+                  <a14:hiddenLine xmlns="" xmlns:a14="http://schemas.microsoft.com/office/drawing/2010/main" w="9525">
                     <a:solidFill>
                       <a:srgbClr val="000000"/>
                     </a:solidFill>
@@ -11973,7 +11977,7 @@
               </a:ln>
               <a:extLst>
                 <a:ext uri="{91240B29-F687-4f45-9708-019B960494DF}">
-                  <a14:hiddenLine xmlns:a14="http://schemas.microsoft.com/office/drawing/2010/main" xmlns="" w="9525">
+                  <a14:hiddenLine xmlns="" xmlns:a14="http://schemas.microsoft.com/office/drawing/2010/main" w="9525">
                     <a:solidFill>
                       <a:srgbClr val="000000"/>
                     </a:solidFill>
@@ -12113,7 +12117,7 @@
             <a:fld id="{B61BEF0D-F0BB-DE4B-95CE-6DB70DBA9567}" type="datetimeFigureOut">
               <a:rPr lang="en-US" smtClean="0"/>
               <a:pPr/>
-              <a:t>9/6/19</a:t>
+              <a:t>9/9/19</a:t>
             </a:fld>
             <a:endParaRPr lang="en-US" dirty="0"/>
           </a:p>
@@ -12732,6 +12736,134 @@
   <p:clrMapOvr>
     <a:masterClrMapping/>
   </p:clrMapOvr>
+  <p:timing>
+    <p:tnLst>
+      <p:par>
+        <p:cTn id="1" dur="indefinite" restart="never" nodeType="tmRoot">
+          <p:childTnLst>
+            <p:seq concurrent="1" nextAc="seek">
+              <p:cTn id="2" dur="indefinite" nodeType="mainSeq">
+                <p:childTnLst>
+                  <p:par>
+                    <p:cTn id="3" fill="hold">
+                      <p:stCondLst>
+                        <p:cond delay="indefinite"/>
+                      </p:stCondLst>
+                      <p:childTnLst>
+                        <p:par>
+                          <p:cTn id="4" fill="hold">
+                            <p:stCondLst>
+                              <p:cond delay="0"/>
+                            </p:stCondLst>
+                            <p:childTnLst>
+                              <p:par>
+                                <p:cTn id="5" presetID="1" presetClass="entr" presetSubtype="0" fill="hold" nodeType="clickEffect">
+                                  <p:stCondLst>
+                                    <p:cond delay="0"/>
+                                  </p:stCondLst>
+                                  <p:childTnLst>
+                                    <p:set>
+                                      <p:cBhvr>
+                                        <p:cTn id="6" dur="1" fill="hold">
+                                          <p:stCondLst>
+                                            <p:cond delay="0"/>
+                                          </p:stCondLst>
+                                        </p:cTn>
+                                        <p:tgtEl>
+                                          <p:spTgt spid="3">
+                                            <p:txEl>
+                                              <p:pRg st="1" end="1"/>
+                                            </p:txEl>
+                                          </p:spTgt>
+                                        </p:tgtEl>
+                                        <p:attrNameLst>
+                                          <p:attrName>style.visibility</p:attrName>
+                                        </p:attrNameLst>
+                                      </p:cBhvr>
+                                      <p:to>
+                                        <p:strVal val="visible"/>
+                                      </p:to>
+                                    </p:set>
+                                  </p:childTnLst>
+                                </p:cTn>
+                              </p:par>
+                            </p:childTnLst>
+                          </p:cTn>
+                        </p:par>
+                      </p:childTnLst>
+                    </p:cTn>
+                  </p:par>
+                  <p:par>
+                    <p:cTn id="7" fill="hold">
+                      <p:stCondLst>
+                        <p:cond delay="indefinite"/>
+                      </p:stCondLst>
+                      <p:childTnLst>
+                        <p:par>
+                          <p:cTn id="8" fill="hold">
+                            <p:stCondLst>
+                              <p:cond delay="0"/>
+                            </p:stCondLst>
+                            <p:childTnLst>
+                              <p:par>
+                                <p:cTn id="9" presetID="1" presetClass="entr" presetSubtype="0" fill="hold" nodeType="clickEffect">
+                                  <p:stCondLst>
+                                    <p:cond delay="0"/>
+                                  </p:stCondLst>
+                                  <p:childTnLst>
+                                    <p:set>
+                                      <p:cBhvr>
+                                        <p:cTn id="10" dur="1" fill="hold">
+                                          <p:stCondLst>
+                                            <p:cond delay="0"/>
+                                          </p:stCondLst>
+                                        </p:cTn>
+                                        <p:tgtEl>
+                                          <p:spTgt spid="3">
+                                            <p:txEl>
+                                              <p:pRg st="2" end="2"/>
+                                            </p:txEl>
+                                          </p:spTgt>
+                                        </p:tgtEl>
+                                        <p:attrNameLst>
+                                          <p:attrName>style.visibility</p:attrName>
+                                        </p:attrNameLst>
+                                      </p:cBhvr>
+                                      <p:to>
+                                        <p:strVal val="visible"/>
+                                      </p:to>
+                                    </p:set>
+                                  </p:childTnLst>
+                                </p:cTn>
+                              </p:par>
+                            </p:childTnLst>
+                          </p:cTn>
+                        </p:par>
+                      </p:childTnLst>
+                    </p:cTn>
+                  </p:par>
+                </p:childTnLst>
+              </p:cTn>
+              <p:prevCondLst>
+                <p:cond evt="onPrev" delay="0">
+                  <p:tgtEl>
+                    <p:sldTgt/>
+                  </p:tgtEl>
+                </p:cond>
+              </p:prevCondLst>
+              <p:nextCondLst>
+                <p:cond evt="onNext" delay="0">
+                  <p:tgtEl>
+                    <p:sldTgt/>
+                  </p:tgtEl>
+                </p:cond>
+              </p:nextCondLst>
+            </p:seq>
+          </p:childTnLst>
+        </p:cTn>
+      </p:par>
+    </p:tnLst>
+  </p:timing>
 </p:sld>
 </file>
 
@@ -15040,12 +15172,8 @@
           </a:p>
           <a:p>
             <a:r>
-              <a:rPr lang="en-US" dirty="0" err="1"/>
-              <a:t>Thurday</a:t>
-            </a:r>
-            <a:r>
               <a:rPr lang="en-US" dirty="0"/>
-              <a:t>:</a:t>
+              <a:t>Thursday:</a:t>
             </a:r>
           </a:p>
           <a:p>
@@ -15140,7 +15268,7 @@
           <a:p>
             <a:r>
               <a:rPr lang="en-US" dirty="0"/>
-              <a:t>Lecture? What lecture!?</a:t>
+              <a:t>Lecture? What lectures!?</a:t>
             </a:r>
           </a:p>
           <a:p>
@@ -15516,13 +15644,13 @@
         </p:nvSpPr>
         <p:spPr>
           <a:xfrm>
-            <a:off x="1141412" y="2249486"/>
-            <a:ext cx="9905999" cy="3791549"/>
+            <a:off x="1141412" y="2097088"/>
+            <a:ext cx="9905999" cy="4252912"/>
           </a:xfrm>
         </p:spPr>
         <p:txBody>
           <a:bodyPr>
-            <a:normAutofit fontScale="77500" lnSpcReduction="20000"/>
+            <a:normAutofit fontScale="70000" lnSpcReduction="20000"/>
           </a:bodyPr>
           <a:lstStyle/>
           <a:p>
@@ -15541,6 +15669,12 @@
             <a:r>
               <a:rPr lang="en-US" dirty="0"/>
               <a:t>If you score AABB or better, you will receive an extra 0.5 on your final project</a:t>
+            </a:r>
+          </a:p>
+          <a:p>
+            <a:r>
+              <a:rPr lang="en-US" dirty="0"/>
+              <a:t>If you have no F's, but you score BBDD or worse, you will lose 0.5 on your final project</a:t>
             </a:r>
           </a:p>
           <a:p>
@@ -16090,6 +16224,451 @@
     <p:extLst>
       <p:ext uri="{BB962C8B-B14F-4D97-AF65-F5344CB8AC3E}">
         <p14:creationId xmlns:p14="http://schemas.microsoft.com/office/powerpoint/2010/main" val="1318936131"/>
+      </p:ext>
+    </p:extLst>
+  </p:cSld>
+  <p:clrMapOvr>
+    <a:masterClrMapping/>
+  </p:clrMapOvr>
+</p:sld>
+</file>
+
+<file path=ppt/slides/slide32.xml><?xml version="1.0" encoding="utf-8"?>
+<p:sld xmlns:a="http://schemas.openxmlformats.org/drawingml/2006/main" xmlns:r="http://schemas.openxmlformats.org/officeDocument/2006/relationships" xmlns:p="http://schemas.openxmlformats.org/presentationml/2006/main">
+  <p:cSld>
+    <p:spTree>
+      <p:nvGrpSpPr>
+        <p:cNvPr id="1" name=""/>
+        <p:cNvGrpSpPr/>
+        <p:nvPr/>
+      </p:nvGrpSpPr>
+      <p:grpSpPr>
+        <a:xfrm>
+          <a:off x="0" y="0"/>
+          <a:ext cx="0" cy="0"/>
+          <a:chOff x="0" y="0"/>
+          <a:chExt cx="0" cy="0"/>
+        </a:xfrm>
+      </p:grpSpPr>
+      <p:sp>
+        <p:nvSpPr>
+          <p:cNvPr id="2" name="Title 1">
+            <a:extLst>
+              <a:ext uri="{FF2B5EF4-FFF2-40B4-BE49-F238E27FC236}">
+                <a16:creationId xmlns:a16="http://schemas.microsoft.com/office/drawing/2014/main" id="{31E02F0D-DBEB-1742-BE1B-55B2E24FA35F}"/>
+              </a:ext>
+            </a:extLst>
+          </p:cNvPr>
+          <p:cNvSpPr>
+            <a:spLocks noGrp="1"/>
+          </p:cNvSpPr>
+          <p:nvPr>
+            <p:ph type="title"/>
+          </p:nvPr>
+        </p:nvSpPr>
+        <p:spPr/>
+        <p:txBody>
+          <a:bodyPr/>
+          <a:lstStyle/>
+          <a:p>
+            <a:r>
+              <a:rPr lang="en-US" dirty="0"/>
+              <a:t>How much code?</a:t>
+            </a:r>
+          </a:p>
+        </p:txBody>
+      </p:sp>
+      <p:sp>
+        <p:nvSpPr>
+          <p:cNvPr id="3" name="Content Placeholder 2">
+            <a:extLst>
+              <a:ext uri="{FF2B5EF4-FFF2-40B4-BE49-F238E27FC236}">
+                <a16:creationId xmlns:a16="http://schemas.microsoft.com/office/drawing/2014/main" id="{4CE8F44B-927F-7642-BA39-9523F661F1AA}"/>
+              </a:ext>
+            </a:extLst>
+          </p:cNvPr>
+          <p:cNvSpPr>
+            <a:spLocks noGrp="1"/>
+          </p:cNvSpPr>
+          <p:nvPr>
+            <p:ph idx="1"/>
+          </p:nvPr>
+        </p:nvSpPr>
+        <p:spPr/>
+        <p:txBody>
+          <a:bodyPr>
+            <a:normAutofit fontScale="85000" lnSpcReduction="10000"/>
+          </a:bodyPr>
+          <a:lstStyle/>
+          <a:p>
+            <a:r>
+              <a:rPr lang="en-US" dirty="0"/>
+              <a:t>This course will not require a lot of coding . . .</a:t>
+            </a:r>
+          </a:p>
+          <a:p>
+            <a:r>
+              <a:rPr lang="en-US" dirty="0"/>
+              <a:t>. . . but we will study programs</a:t>
+            </a:r>
+          </a:p>
+          <a:p>
+            <a:r>
+              <a:rPr lang="en-US" dirty="0"/>
+              <a:t>We will look at what code does and how it is structured, without worrying too much about how it is implemented exactly</a:t>
+            </a:r>
+          </a:p>
+          <a:p>
+            <a:r>
+              <a:rPr lang="en-US" dirty="0"/>
+              <a:t>`Is this program well designed?' as opposed to `The loop on line 325 of the Foo class is wrong'</a:t>
+            </a:r>
+          </a:p>
+        </p:txBody>
+      </p:sp>
+    </p:spTree>
+    <p:extLst>
+      <p:ext uri="{BB962C8B-B14F-4D97-AF65-F5344CB8AC3E}">
+        <p14:creationId xmlns:p14="http://schemas.microsoft.com/office/powerpoint/2010/main" val="2207317872"/>
+      </p:ext>
+    </p:extLst>
+  </p:cSld>
+  <p:clrMapOvr>
+    <a:masterClrMapping/>
+  </p:clrMapOvr>
+</p:sld>
+</file>
+
+<file path=ppt/slides/slide33.xml><?xml version="1.0" encoding="utf-8"?>
+<p:sld xmlns:a="http://schemas.openxmlformats.org/drawingml/2006/main" xmlns:r="http://schemas.openxmlformats.org/officeDocument/2006/relationships" xmlns:p="http://schemas.openxmlformats.org/presentationml/2006/main">
+  <p:cSld>
+    <p:spTree>
+      <p:nvGrpSpPr>
+        <p:cNvPr id="1" name=""/>
+        <p:cNvGrpSpPr/>
+        <p:nvPr/>
+      </p:nvGrpSpPr>
+      <p:grpSpPr>
+        <a:xfrm>
+          <a:off x="0" y="0"/>
+          <a:ext cx="0" cy="0"/>
+          <a:chOff x="0" y="0"/>
+          <a:chExt cx="0" cy="0"/>
+        </a:xfrm>
+      </p:grpSpPr>
+      <p:sp>
+        <p:nvSpPr>
+          <p:cNvPr id="2" name="Title 1">
+            <a:extLst>
+              <a:ext uri="{FF2B5EF4-FFF2-40B4-BE49-F238E27FC236}">
+                <a16:creationId xmlns:a16="http://schemas.microsoft.com/office/drawing/2014/main" id="{AE3B7770-BEBC-5640-B625-C27B9B442543}"/>
+              </a:ext>
+            </a:extLst>
+          </p:cNvPr>
+          <p:cNvSpPr>
+            <a:spLocks noGrp="1"/>
+          </p:cNvSpPr>
+          <p:nvPr>
+            <p:ph type="title"/>
+          </p:nvPr>
+        </p:nvSpPr>
+        <p:spPr/>
+        <p:txBody>
+          <a:bodyPr/>
+          <a:lstStyle/>
+          <a:p>
+            <a:r>
+              <a:rPr lang="en-US" dirty="0"/>
+              <a:t>Course outline</a:t>
+            </a:r>
+          </a:p>
+        </p:txBody>
+      </p:sp>
+      <p:sp>
+        <p:nvSpPr>
+          <p:cNvPr id="3" name="Content Placeholder 2">
+            <a:extLst>
+              <a:ext uri="{FF2B5EF4-FFF2-40B4-BE49-F238E27FC236}">
+                <a16:creationId xmlns:a16="http://schemas.microsoft.com/office/drawing/2014/main" id="{4F64B47E-AEE8-984C-837A-1C1DC16362E9}"/>
+              </a:ext>
+            </a:extLst>
+          </p:cNvPr>
+          <p:cNvSpPr>
+            <a:spLocks noGrp="1"/>
+          </p:cNvSpPr>
+          <p:nvPr>
+            <p:ph idx="1"/>
+          </p:nvPr>
+        </p:nvSpPr>
+        <p:spPr/>
+        <p:txBody>
+          <a:bodyPr>
+            <a:normAutofit/>
+          </a:bodyPr>
+          <a:lstStyle/>
+          <a:p>
+            <a:r>
+              <a:rPr lang="en-US" dirty="0"/>
+              <a:t>First two weeks: focus on the analysis and design process, including UML</a:t>
+            </a:r>
+          </a:p>
+          <a:p>
+            <a:r>
+              <a:rPr lang="en-US" dirty="0"/>
+              <a:t>Later sessions: it is a good thing to learn from your failures</a:t>
+            </a:r>
+          </a:p>
+          <a:p>
+            <a:r>
+              <a:rPr lang="en-US" dirty="0"/>
+              <a:t>But it is better to learn from other peoples failures: focus on </a:t>
+            </a:r>
+            <a:r>
+              <a:rPr lang="en-US" i="1" dirty="0"/>
+              <a:t>design patterns</a:t>
+            </a:r>
+          </a:p>
+        </p:txBody>
+      </p:sp>
+    </p:spTree>
+    <p:extLst>
+      <p:ext uri="{BB962C8B-B14F-4D97-AF65-F5344CB8AC3E}">
+        <p14:creationId xmlns:p14="http://schemas.microsoft.com/office/powerpoint/2010/main" val="338469217"/>
+      </p:ext>
+    </p:extLst>
+  </p:cSld>
+  <p:clrMapOvr>
+    <a:masterClrMapping/>
+  </p:clrMapOvr>
+</p:sld>
+</file>
+
+<file path=ppt/slides/slide34.xml><?xml version="1.0" encoding="utf-8"?>
+<p:sld xmlns:a="http://schemas.openxmlformats.org/drawingml/2006/main" xmlns:r="http://schemas.openxmlformats.org/officeDocument/2006/relationships" xmlns:p="http://schemas.openxmlformats.org/presentationml/2006/main">
+  <p:cSld>
+    <p:spTree>
+      <p:nvGrpSpPr>
+        <p:cNvPr id="1" name=""/>
+        <p:cNvGrpSpPr/>
+        <p:nvPr/>
+      </p:nvGrpSpPr>
+      <p:grpSpPr>
+        <a:xfrm>
+          <a:off x="0" y="0"/>
+          <a:ext cx="0" cy="0"/>
+          <a:chOff x="0" y="0"/>
+          <a:chExt cx="0" cy="0"/>
+        </a:xfrm>
+      </p:grpSpPr>
+      <p:sp>
+        <p:nvSpPr>
+          <p:cNvPr id="2" name="Title 1">
+            <a:extLst>
+              <a:ext uri="{FF2B5EF4-FFF2-40B4-BE49-F238E27FC236}">
+                <a16:creationId xmlns:a16="http://schemas.microsoft.com/office/drawing/2014/main" id="{F9D9DF65-EB92-C343-AB43-DB24002C2712}"/>
+              </a:ext>
+            </a:extLst>
+          </p:cNvPr>
+          <p:cNvSpPr>
+            <a:spLocks noGrp="1"/>
+          </p:cNvSpPr>
+          <p:nvPr>
+            <p:ph type="title"/>
+          </p:nvPr>
+        </p:nvSpPr>
+        <p:spPr/>
+        <p:txBody>
+          <a:bodyPr/>
+          <a:lstStyle/>
+          <a:p>
+            <a:r>
+              <a:rPr lang="en-US" dirty="0"/>
+              <a:t>Next week</a:t>
+            </a:r>
+          </a:p>
+        </p:txBody>
+      </p:sp>
+      <p:sp>
+        <p:nvSpPr>
+          <p:cNvPr id="3" name="Content Placeholder 2">
+            <a:extLst>
+              <a:ext uri="{FF2B5EF4-FFF2-40B4-BE49-F238E27FC236}">
+                <a16:creationId xmlns:a16="http://schemas.microsoft.com/office/drawing/2014/main" id="{BFF2AB15-5382-CF45-B85E-C4C2D7B1A30C}"/>
+              </a:ext>
+            </a:extLst>
+          </p:cNvPr>
+          <p:cNvSpPr>
+            <a:spLocks noGrp="1"/>
+          </p:cNvSpPr>
+          <p:nvPr>
+            <p:ph idx="1"/>
+          </p:nvPr>
+        </p:nvSpPr>
+        <p:spPr/>
+        <p:txBody>
+          <a:bodyPr/>
+          <a:lstStyle/>
+          <a:p>
+            <a:r>
+              <a:rPr lang="en-US" dirty="0"/>
+              <a:t>Lecture on Monday will be given by Hans Philippi</a:t>
+            </a:r>
+          </a:p>
+          <a:p>
+            <a:r>
+              <a:rPr lang="en-US" dirty="0"/>
+              <a:t>Any questions about this week’s material should be sent to him instead of me: </a:t>
+            </a:r>
+            <a:r>
+              <a:rPr lang="en-US" dirty="0">
+                <a:hlinkClick r:id="rId2"/>
+              </a:rPr>
+              <a:t>H.Philippi@uu.nl</a:t>
+            </a:r>
+            <a:r>
+              <a:rPr lang="en-US" dirty="0"/>
+              <a:t>.</a:t>
+            </a:r>
+          </a:p>
+          <a:p>
+            <a:pPr marL="0" indent="0">
+              <a:buNone/>
+            </a:pPr>
+            <a:endParaRPr lang="en-US" dirty="0"/>
+          </a:p>
+          <a:p>
+            <a:endParaRPr lang="en-US" dirty="0"/>
+          </a:p>
+        </p:txBody>
+      </p:sp>
+    </p:spTree>
+    <p:extLst>
+      <p:ext uri="{BB962C8B-B14F-4D97-AF65-F5344CB8AC3E}">
+        <p14:creationId xmlns:p14="http://schemas.microsoft.com/office/powerpoint/2010/main" val="292090246"/>
+      </p:ext>
+    </p:extLst>
+  </p:cSld>
+  <p:clrMapOvr>
+    <a:masterClrMapping/>
+  </p:clrMapOvr>
+</p:sld>
+</file>
+
+<file path=ppt/slides/slide35.xml><?xml version="1.0" encoding="utf-8"?>
+<p:sld xmlns:a="http://schemas.openxmlformats.org/drawingml/2006/main" xmlns:r="http://schemas.openxmlformats.org/officeDocument/2006/relationships" xmlns:p="http://schemas.openxmlformats.org/presentationml/2006/main">
+  <p:cSld>
+    <p:spTree>
+      <p:nvGrpSpPr>
+        <p:cNvPr id="1" name=""/>
+        <p:cNvGrpSpPr/>
+        <p:nvPr/>
+      </p:nvGrpSpPr>
+      <p:grpSpPr>
+        <a:xfrm>
+          <a:off x="0" y="0"/>
+          <a:ext cx="0" cy="0"/>
+          <a:chOff x="0" y="0"/>
+          <a:chExt cx="0" cy="0"/>
+        </a:xfrm>
+      </p:grpSpPr>
+      <p:sp>
+        <p:nvSpPr>
+          <p:cNvPr id="2" name="Title 1">
+            <a:extLst>
+              <a:ext uri="{FF2B5EF4-FFF2-40B4-BE49-F238E27FC236}">
+                <a16:creationId xmlns:a16="http://schemas.microsoft.com/office/drawing/2014/main" id="{8FD14DE7-3384-4145-9CE6-C7C3804293F5}"/>
+              </a:ext>
+            </a:extLst>
+          </p:cNvPr>
+          <p:cNvSpPr>
+            <a:spLocks noGrp="1"/>
+          </p:cNvSpPr>
+          <p:nvPr>
+            <p:ph type="title"/>
+          </p:nvPr>
+        </p:nvSpPr>
+        <p:spPr/>
+        <p:txBody>
+          <a:bodyPr/>
+          <a:lstStyle/>
+          <a:p>
+            <a:r>
+              <a:rPr lang="en-US" dirty="0"/>
+              <a:t>References</a:t>
+            </a:r>
+          </a:p>
+        </p:txBody>
+      </p:sp>
+      <p:sp>
+        <p:nvSpPr>
+          <p:cNvPr id="3" name="Content Placeholder 2">
+            <a:extLst>
+              <a:ext uri="{FF2B5EF4-FFF2-40B4-BE49-F238E27FC236}">
+                <a16:creationId xmlns:a16="http://schemas.microsoft.com/office/drawing/2014/main" id="{F150352A-E96E-E341-830E-81C089404309}"/>
+              </a:ext>
+            </a:extLst>
+          </p:cNvPr>
+          <p:cNvSpPr>
+            <a:spLocks noGrp="1"/>
+          </p:cNvSpPr>
+          <p:nvPr>
+            <p:ph idx="1"/>
+          </p:nvPr>
+        </p:nvSpPr>
+        <p:spPr/>
+        <p:txBody>
+          <a:bodyPr>
+            <a:normAutofit fontScale="92500" lnSpcReduction="20000"/>
+          </a:bodyPr>
+          <a:lstStyle/>
+          <a:p>
+            <a:r>
+              <a:rPr lang="en-US" dirty="0"/>
+              <a:t>The following references may be helpful to refresh or extend your knowledge of C#:</a:t>
+            </a:r>
+          </a:p>
+          <a:p>
+            <a:r>
+              <a:rPr lang="en-US" dirty="0">
+                <a:hlinkClick r:id="rId2"/>
+              </a:rPr>
+              <a:t>https://www.tutorialspoint.com/csharp/</a:t>
+            </a:r>
+            <a:endParaRPr lang="en-US" dirty="0"/>
+          </a:p>
+          <a:p>
+            <a:pPr marL="0" indent="0">
+              <a:buNone/>
+            </a:pPr>
+            <a:r>
+              <a:rPr lang="en-US" dirty="0"/>
+              <a:t>	topics: inheritance, polymorphism, interfaces</a:t>
+            </a:r>
+          </a:p>
+          <a:p>
+            <a:r>
+              <a:rPr lang="en-US" dirty="0">
+                <a:hlinkClick r:id="rId3"/>
+              </a:rPr>
+              <a:t>http://csharp.net-tutorials.com/</a:t>
+            </a:r>
+            <a:endParaRPr lang="en-US" dirty="0"/>
+          </a:p>
+          <a:p>
+            <a:pPr marL="0" indent="0">
+              <a:buNone/>
+            </a:pPr>
+            <a:r>
+              <a:rPr lang="en-US" dirty="0"/>
+              <a:t>	topics: inheritance, abstract classes</a:t>
+            </a:r>
+          </a:p>
+        </p:txBody>
+      </p:sp>
+    </p:spTree>
+    <p:extLst>
+      <p:ext uri="{BB962C8B-B14F-4D97-AF65-F5344CB8AC3E}">
+        <p14:creationId xmlns:p14="http://schemas.microsoft.com/office/powerpoint/2010/main" val="17540429"/>
       </p:ext>
     </p:extLst>
   </p:cSld>
